--- a/ScreenImages.pptx
+++ b/ScreenImages.pptx
@@ -7,10 +7,11 @@
   <p:sldIdLst>
     <p:sldId id="261" r:id="rId2"/>
     <p:sldId id="256" r:id="rId3"/>
-    <p:sldId id="257" r:id="rId4"/>
-    <p:sldId id="258" r:id="rId5"/>
-    <p:sldId id="259" r:id="rId6"/>
-    <p:sldId id="260" r:id="rId7"/>
+    <p:sldId id="262" r:id="rId4"/>
+    <p:sldId id="257" r:id="rId5"/>
+    <p:sldId id="258" r:id="rId6"/>
+    <p:sldId id="259" r:id="rId7"/>
+    <p:sldId id="260" r:id="rId8"/>
   </p:sldIdLst>
   <p:sldSz cx="12192000" cy="6858000"/>
   <p:notesSz cx="6858000" cy="9144000"/>
@@ -109,6 +110,11 @@
       </a:defRPr>
     </a:lvl9pPr>
   </p:defaultTextStyle>
+  <p:extLst>
+    <p:ext uri="{EFAFB233-063F-42B5-8137-9DF3F51BA10A}">
+      <p15:sldGuideLst xmlns:p15="http://schemas.microsoft.com/office/powerpoint/2012/main"/>
+    </p:ext>
+  </p:extLst>
 </p:presentation>
 </file>
 
@@ -4156,6 +4162,107 @@
                   <a:schemeClr val="bg1"/>
                 </a:solidFill>
               </a:rPr>
+              <a:t>Filter for Data – 1 filter applied</a:t>
+            </a:r>
+          </a:p>
+        </p:txBody>
+      </p:sp>
+      <p:pic>
+        <p:nvPicPr>
+          <p:cNvPr id="2" name="Picture 1">
+            <a:extLst>
+              <a:ext uri="{FF2B5EF4-FFF2-40B4-BE49-F238E27FC236}">
+                <a16:creationId xmlns:a16="http://schemas.microsoft.com/office/drawing/2014/main" id="{4FE1FB59-8047-4D51-906E-8C5A207CF80D}"/>
+              </a:ext>
+            </a:extLst>
+          </p:cNvPr>
+          <p:cNvPicPr>
+            <a:picLocks noChangeAspect="1"/>
+          </p:cNvPicPr>
+          <p:nvPr/>
+        </p:nvPicPr>
+        <p:blipFill>
+          <a:blip r:embed="rId2"/>
+          <a:stretch>
+            <a:fillRect/>
+          </a:stretch>
+        </p:blipFill>
+        <p:spPr>
+          <a:xfrm>
+            <a:off x="825799" y="927244"/>
+            <a:ext cx="9970019" cy="5408709"/>
+          </a:xfrm>
+          <a:prstGeom prst="rect">
+            <a:avLst/>
+          </a:prstGeom>
+        </p:spPr>
+      </p:pic>
+    </p:spTree>
+    <p:extLst>
+      <p:ext uri="{BB962C8B-B14F-4D97-AF65-F5344CB8AC3E}">
+        <p14:creationId xmlns:p14="http://schemas.microsoft.com/office/powerpoint/2010/main" val="3878562143"/>
+      </p:ext>
+    </p:extLst>
+  </p:cSld>
+  <p:clrMapOvr>
+    <a:masterClrMapping/>
+  </p:clrMapOvr>
+</p:sld>
+</file>
+
+<file path=ppt/slides/slide4.xml><?xml version="1.0" encoding="utf-8"?>
+<p:sld xmlns:a="http://schemas.openxmlformats.org/drawingml/2006/main" xmlns:r="http://schemas.openxmlformats.org/officeDocument/2006/relationships" xmlns:p="http://schemas.openxmlformats.org/presentationml/2006/main">
+  <p:cSld>
+    <p:spTree>
+      <p:nvGrpSpPr>
+        <p:cNvPr id="1" name=""/>
+        <p:cNvGrpSpPr/>
+        <p:nvPr/>
+      </p:nvGrpSpPr>
+      <p:grpSpPr>
+        <a:xfrm>
+          <a:off x="0" y="0"/>
+          <a:ext cx="0" cy="0"/>
+          <a:chOff x="0" y="0"/>
+          <a:chExt cx="0" cy="0"/>
+        </a:xfrm>
+      </p:grpSpPr>
+      <p:sp>
+        <p:nvSpPr>
+          <p:cNvPr id="4" name="TextBox 3">
+            <a:extLst>
+              <a:ext uri="{FF2B5EF4-FFF2-40B4-BE49-F238E27FC236}">
+                <a16:creationId xmlns:a16="http://schemas.microsoft.com/office/drawing/2014/main" id="{8A80CC55-BC9A-4F01-BD62-815C5B551146}"/>
+              </a:ext>
+            </a:extLst>
+          </p:cNvPr>
+          <p:cNvSpPr txBox="1"/>
+          <p:nvPr/>
+        </p:nvSpPr>
+        <p:spPr>
+          <a:xfrm>
+            <a:off x="615820" y="167951"/>
+            <a:ext cx="9591870" cy="400110"/>
+          </a:xfrm>
+          <a:prstGeom prst="rect">
+            <a:avLst/>
+          </a:prstGeom>
+          <a:solidFill>
+            <a:schemeClr val="accent2"/>
+          </a:solidFill>
+        </p:spPr>
+        <p:txBody>
+          <a:bodyPr wrap="square" rtlCol="0">
+            <a:spAutoFit/>
+          </a:bodyPr>
+          <a:lstStyle/>
+          <a:p>
+            <a:r>
+              <a:rPr lang="en-US" sz="2000" b="1" dirty="0">
+                <a:solidFill>
+                  <a:schemeClr val="bg1"/>
+                </a:solidFill>
+              </a:rPr>
               <a:t>Filter for Data – 3 filters applied</a:t>
             </a:r>
           </a:p>
@@ -4204,7 +4311,7 @@
 </p:sld>
 </file>
 
-<file path=ppt/slides/slide4.xml><?xml version="1.0" encoding="utf-8"?>
+<file path=ppt/slides/slide5.xml><?xml version="1.0" encoding="utf-8"?>
 <p:sld xmlns:a="http://schemas.openxmlformats.org/drawingml/2006/main" xmlns:r="http://schemas.openxmlformats.org/officeDocument/2006/relationships" xmlns:p="http://schemas.openxmlformats.org/presentationml/2006/main">
   <p:cSld>
     <p:spTree>
@@ -4305,7 +4412,7 @@
 </p:sld>
 </file>
 
-<file path=ppt/slides/slide5.xml><?xml version="1.0" encoding="utf-8"?>
+<file path=ppt/slides/slide6.xml><?xml version="1.0" encoding="utf-8"?>
 <p:sld xmlns:a="http://schemas.openxmlformats.org/drawingml/2006/main" xmlns:r="http://schemas.openxmlformats.org/officeDocument/2006/relationships" xmlns:p="http://schemas.openxmlformats.org/presentationml/2006/main">
   <p:cSld>
     <p:spTree>
@@ -4406,7 +4513,7 @@
 </p:sld>
 </file>
 
-<file path=ppt/slides/slide6.xml><?xml version="1.0" encoding="utf-8"?>
+<file path=ppt/slides/slide7.xml><?xml version="1.0" encoding="utf-8"?>
 <p:sld xmlns:a="http://schemas.openxmlformats.org/drawingml/2006/main" xmlns:r="http://schemas.openxmlformats.org/officeDocument/2006/relationships" xmlns:p="http://schemas.openxmlformats.org/presentationml/2006/main">
   <p:cSld>
     <p:spTree>

--- a/ScreenImages.pptx
+++ b/ScreenImages.pptx
@@ -8,10 +8,11 @@
     <p:sldId id="261" r:id="rId2"/>
     <p:sldId id="256" r:id="rId3"/>
     <p:sldId id="262" r:id="rId4"/>
-    <p:sldId id="257" r:id="rId5"/>
-    <p:sldId id="258" r:id="rId6"/>
-    <p:sldId id="259" r:id="rId7"/>
-    <p:sldId id="260" r:id="rId8"/>
+    <p:sldId id="263" r:id="rId5"/>
+    <p:sldId id="257" r:id="rId6"/>
+    <p:sldId id="258" r:id="rId7"/>
+    <p:sldId id="259" r:id="rId8"/>
+    <p:sldId id="260" r:id="rId9"/>
   </p:sldIdLst>
   <p:sldSz cx="12192000" cy="6858000"/>
   <p:notesSz cx="6858000" cy="9144000"/>
@@ -4140,7 +4141,7 @@
         </p:nvSpPr>
         <p:spPr>
           <a:xfrm>
-            <a:off x="615820" y="167951"/>
+            <a:off x="517497" y="321992"/>
             <a:ext cx="9591870" cy="400110"/>
           </a:xfrm>
           <a:prstGeom prst="rect">
@@ -4227,6 +4228,107 @@
           <a:chExt cx="0" cy="0"/>
         </a:xfrm>
       </p:grpSpPr>
+      <p:pic>
+        <p:nvPicPr>
+          <p:cNvPr id="4" name="Picture 3">
+            <a:extLst>
+              <a:ext uri="{FF2B5EF4-FFF2-40B4-BE49-F238E27FC236}">
+                <a16:creationId xmlns:a16="http://schemas.microsoft.com/office/drawing/2014/main" id="{71EBB08C-B151-46D6-BD21-6A4AC1288689}"/>
+              </a:ext>
+            </a:extLst>
+          </p:cNvPr>
+          <p:cNvPicPr>
+            <a:picLocks noChangeAspect="1"/>
+          </p:cNvPicPr>
+          <p:nvPr/>
+        </p:nvPicPr>
+        <p:blipFill>
+          <a:blip r:embed="rId2"/>
+          <a:stretch>
+            <a:fillRect/>
+          </a:stretch>
+        </p:blipFill>
+        <p:spPr>
+          <a:xfrm>
+            <a:off x="609600" y="1088456"/>
+            <a:ext cx="9960077" cy="5399410"/>
+          </a:xfrm>
+          <a:prstGeom prst="rect">
+            <a:avLst/>
+          </a:prstGeom>
+        </p:spPr>
+      </p:pic>
+      <p:sp>
+        <p:nvSpPr>
+          <p:cNvPr id="5" name="TextBox 4">
+            <a:extLst>
+              <a:ext uri="{FF2B5EF4-FFF2-40B4-BE49-F238E27FC236}">
+                <a16:creationId xmlns:a16="http://schemas.microsoft.com/office/drawing/2014/main" id="{E3D56865-A72D-4C10-A87F-33FD544DEFD6}"/>
+              </a:ext>
+            </a:extLst>
+          </p:cNvPr>
+          <p:cNvSpPr txBox="1"/>
+          <p:nvPr/>
+        </p:nvSpPr>
+        <p:spPr>
+          <a:xfrm>
+            <a:off x="517497" y="321992"/>
+            <a:ext cx="9591870" cy="400110"/>
+          </a:xfrm>
+          <a:prstGeom prst="rect">
+            <a:avLst/>
+          </a:prstGeom>
+          <a:solidFill>
+            <a:schemeClr val="accent2"/>
+          </a:solidFill>
+        </p:spPr>
+        <p:txBody>
+          <a:bodyPr wrap="square" rtlCol="0">
+            <a:spAutoFit/>
+          </a:bodyPr>
+          <a:lstStyle/>
+          <a:p>
+            <a:r>
+              <a:rPr lang="en-US" sz="2000" b="1" dirty="0">
+                <a:solidFill>
+                  <a:schemeClr val="bg1"/>
+                </a:solidFill>
+              </a:rPr>
+              <a:t>Filter for Data – 2 filters applied</a:t>
+            </a:r>
+          </a:p>
+        </p:txBody>
+      </p:sp>
+    </p:spTree>
+    <p:extLst>
+      <p:ext uri="{BB962C8B-B14F-4D97-AF65-F5344CB8AC3E}">
+        <p14:creationId xmlns:p14="http://schemas.microsoft.com/office/powerpoint/2010/main" val="3635309092"/>
+      </p:ext>
+    </p:extLst>
+  </p:cSld>
+  <p:clrMapOvr>
+    <a:masterClrMapping/>
+  </p:clrMapOvr>
+</p:sld>
+</file>
+
+<file path=ppt/slides/slide5.xml><?xml version="1.0" encoding="utf-8"?>
+<p:sld xmlns:a="http://schemas.openxmlformats.org/drawingml/2006/main" xmlns:r="http://schemas.openxmlformats.org/officeDocument/2006/relationships" xmlns:p="http://schemas.openxmlformats.org/presentationml/2006/main">
+  <p:cSld>
+    <p:spTree>
+      <p:nvGrpSpPr>
+        <p:cNvPr id="1" name=""/>
+        <p:cNvGrpSpPr/>
+        <p:nvPr/>
+      </p:nvGrpSpPr>
+      <p:grpSpPr>
+        <a:xfrm>
+          <a:off x="0" y="0"/>
+          <a:ext cx="0" cy="0"/>
+          <a:chOff x="0" y="0"/>
+          <a:chExt cx="0" cy="0"/>
+        </a:xfrm>
+      </p:grpSpPr>
       <p:sp>
         <p:nvSpPr>
           <p:cNvPr id="4" name="TextBox 3">
@@ -4311,7 +4413,7 @@
 </p:sld>
 </file>
 
-<file path=ppt/slides/slide5.xml><?xml version="1.0" encoding="utf-8"?>
+<file path=ppt/slides/slide6.xml><?xml version="1.0" encoding="utf-8"?>
 <p:sld xmlns:a="http://schemas.openxmlformats.org/drawingml/2006/main" xmlns:r="http://schemas.openxmlformats.org/officeDocument/2006/relationships" xmlns:p="http://schemas.openxmlformats.org/presentationml/2006/main">
   <p:cSld>
     <p:spTree>
@@ -4412,7 +4514,7 @@
 </p:sld>
 </file>
 
-<file path=ppt/slides/slide6.xml><?xml version="1.0" encoding="utf-8"?>
+<file path=ppt/slides/slide7.xml><?xml version="1.0" encoding="utf-8"?>
 <p:sld xmlns:a="http://schemas.openxmlformats.org/drawingml/2006/main" xmlns:r="http://schemas.openxmlformats.org/officeDocument/2006/relationships" xmlns:p="http://schemas.openxmlformats.org/presentationml/2006/main">
   <p:cSld>
     <p:spTree>
@@ -4513,7 +4615,7 @@
 </p:sld>
 </file>
 
-<file path=ppt/slides/slide7.xml><?xml version="1.0" encoding="utf-8"?>
+<file path=ppt/slides/slide8.xml><?xml version="1.0" encoding="utf-8"?>
 <p:sld xmlns:a="http://schemas.openxmlformats.org/drawingml/2006/main" xmlns:r="http://schemas.openxmlformats.org/officeDocument/2006/relationships" xmlns:p="http://schemas.openxmlformats.org/presentationml/2006/main">
   <p:cSld>
     <p:spTree>
